--- a/assets/img/logo.pptx
+++ b/assets/img/logo.pptx
@@ -3339,10 +3339,10 @@
       </p:grpSpPr>
       <p:grpSp>
         <p:nvGrpSpPr>
-          <p:cNvPr id="12" name="Group 11">
-            <a:extLst>
-              <a:ext uri="{FF2B5EF4-FFF2-40B4-BE49-F238E27FC236}">
-                <a16:creationId xmlns:a16="http://schemas.microsoft.com/office/drawing/2014/main" id="{9A0A26DB-AF9C-BA6C-A372-7E42EF767D00}"/>
+          <p:cNvPr id="18" name="Group 17">
+            <a:extLst>
+              <a:ext uri="{FF2B5EF4-FFF2-40B4-BE49-F238E27FC236}">
+                <a16:creationId xmlns:a16="http://schemas.microsoft.com/office/drawing/2014/main" id="{E03AEE1C-71C6-6C69-5782-FF98453759C9}"/>
               </a:ext>
             </a:extLst>
           </p:cNvPr>
@@ -3351,18 +3351,18 @@
         </p:nvGrpSpPr>
         <p:grpSpPr>
           <a:xfrm>
-            <a:off x="612854" y="4054722"/>
-            <a:ext cx="11476447" cy="2731269"/>
-            <a:chOff x="612854" y="4054722"/>
-            <a:chExt cx="11476447" cy="2731269"/>
+            <a:off x="0" y="2310242"/>
+            <a:ext cx="12321455" cy="2730137"/>
+            <a:chOff x="0" y="2310242"/>
+            <a:chExt cx="12321455" cy="2730137"/>
           </a:xfrm>
         </p:grpSpPr>
         <p:pic>
           <p:nvPicPr>
-            <p:cNvPr id="5" name="Picture 4" descr="A picture containing text&#10;&#10;Description automatically generated">
+            <p:cNvPr id="10" name="Picture 9">
               <a:extLst>
                 <a:ext uri="{FF2B5EF4-FFF2-40B4-BE49-F238E27FC236}">
-                  <a16:creationId xmlns:a16="http://schemas.microsoft.com/office/drawing/2014/main" id="{C245ACE9-F51F-6E19-A6ED-314B42FF8E3E}"/>
+                  <a16:creationId xmlns:a16="http://schemas.microsoft.com/office/drawing/2014/main" id="{D5180FDE-2EDC-85E9-05E5-80C9B9F725D7}"/>
                 </a:ext>
               </a:extLst>
             </p:cNvPr>
@@ -3372,21 +3372,15 @@
             <p:nvPr/>
           </p:nvPicPr>
           <p:blipFill>
-            <a:blip r:embed="rId2">
-              <a:extLst>
-                <a:ext uri="{28A0092B-C50C-407E-A947-70E740481C1C}">
-                  <a14:useLocalDpi xmlns:a14="http://schemas.microsoft.com/office/drawing/2010/main" val="0"/>
-                </a:ext>
-              </a:extLst>
-            </a:blip>
+            <a:blip r:embed="rId2"/>
             <a:stretch>
               <a:fillRect/>
             </a:stretch>
           </p:blipFill>
           <p:spPr>
             <a:xfrm>
-              <a:off x="8872097" y="4848397"/>
-              <a:ext cx="3217204" cy="1290735"/>
+              <a:off x="0" y="2310242"/>
+              <a:ext cx="2444674" cy="2689141"/>
             </a:xfrm>
             <a:prstGeom prst="rect">
               <a:avLst/>
@@ -3395,10 +3389,10 @@
         </p:pic>
         <p:pic>
           <p:nvPicPr>
-            <p:cNvPr id="7" name="Picture 6" descr="Logo, company name&#10;&#10;Description automatically generated">
+            <p:cNvPr id="3" name="Picture 2">
               <a:extLst>
                 <a:ext uri="{FF2B5EF4-FFF2-40B4-BE49-F238E27FC236}">
-                  <a16:creationId xmlns:a16="http://schemas.microsoft.com/office/drawing/2014/main" id="{D945BE57-36FC-0586-7B77-AB0F338AEB2E}"/>
+                  <a16:creationId xmlns:a16="http://schemas.microsoft.com/office/drawing/2014/main" id="{2A65F292-1725-0F93-2312-F13CD8803672}"/>
                 </a:ext>
               </a:extLst>
             </p:cNvPr>
@@ -3408,21 +3402,15 @@
             <p:nvPr/>
           </p:nvPicPr>
           <p:blipFill>
-            <a:blip r:embed="rId3">
-              <a:extLst>
-                <a:ext uri="{28A0092B-C50C-407E-A947-70E740481C1C}">
-                  <a14:useLocalDpi xmlns:a14="http://schemas.microsoft.com/office/drawing/2010/main" val="0"/>
-                </a:ext>
-              </a:extLst>
-            </a:blip>
+            <a:blip r:embed="rId3"/>
             <a:stretch>
               <a:fillRect/>
             </a:stretch>
           </p:blipFill>
           <p:spPr>
             <a:xfrm>
-              <a:off x="5987747" y="4054722"/>
-              <a:ext cx="2701679" cy="2701679"/>
+              <a:off x="8808776" y="3043453"/>
+              <a:ext cx="3512679" cy="1409278"/>
             </a:xfrm>
             <a:prstGeom prst="rect">
               <a:avLst/>
@@ -3431,10 +3419,10 @@
         </p:pic>
         <p:pic>
           <p:nvPicPr>
-            <p:cNvPr id="9" name="Picture 8" descr="A picture containing text, book&#10;&#10;Description automatically generated">
+            <p:cNvPr id="14" name="Picture 13">
               <a:extLst>
                 <a:ext uri="{FF2B5EF4-FFF2-40B4-BE49-F238E27FC236}">
-                  <a16:creationId xmlns:a16="http://schemas.microsoft.com/office/drawing/2014/main" id="{30214836-D0FA-F451-1AB2-06053DC75740}"/>
+                  <a16:creationId xmlns:a16="http://schemas.microsoft.com/office/drawing/2014/main" id="{74337DB3-9F2C-6537-7F2C-E3727CC237E5}"/>
                 </a:ext>
               </a:extLst>
             </p:cNvPr>
@@ -3444,21 +3432,15 @@
             <p:nvPr/>
           </p:nvPicPr>
           <p:blipFill>
-            <a:blip r:embed="rId4">
-              <a:extLst>
-                <a:ext uri="{28A0092B-C50C-407E-A947-70E740481C1C}">
-                  <a14:useLocalDpi xmlns:a14="http://schemas.microsoft.com/office/drawing/2010/main" val="0"/>
-                </a:ext>
-              </a:extLst>
-            </a:blip>
+            <a:blip r:embed="rId4"/>
             <a:stretch>
               <a:fillRect/>
             </a:stretch>
           </p:blipFill>
           <p:spPr>
             <a:xfrm>
-              <a:off x="612854" y="4173350"/>
-              <a:ext cx="2240383" cy="2464422"/>
+              <a:off x="2836300" y="2397208"/>
+              <a:ext cx="2607471" cy="2599688"/>
             </a:xfrm>
             <a:prstGeom prst="rect">
               <a:avLst/>
@@ -3467,10 +3449,10 @@
         </p:pic>
         <p:pic>
           <p:nvPicPr>
-            <p:cNvPr id="11" name="Picture 10" descr="Logo&#10;&#10;Description automatically generated">
+            <p:cNvPr id="16" name="Picture 15">
               <a:extLst>
                 <a:ext uri="{FF2B5EF4-FFF2-40B4-BE49-F238E27FC236}">
-                  <a16:creationId xmlns:a16="http://schemas.microsoft.com/office/drawing/2014/main" id="{C5046F14-9D17-B54C-3F86-800C87AAABC7}"/>
+                  <a16:creationId xmlns:a16="http://schemas.microsoft.com/office/drawing/2014/main" id="{8CC1AB05-8584-9AC6-7577-0A32766391DB}"/>
                 </a:ext>
               </a:extLst>
             </p:cNvPr>
@@ -3480,21 +3462,15 @@
             <p:nvPr/>
           </p:nvPicPr>
           <p:blipFill>
-            <a:blip r:embed="rId5">
-              <a:extLst>
-                <a:ext uri="{28A0092B-C50C-407E-A947-70E740481C1C}">
-                  <a14:useLocalDpi xmlns:a14="http://schemas.microsoft.com/office/drawing/2010/main" val="0"/>
-                </a:ext>
-              </a:extLst>
-            </a:blip>
+            <a:blip r:embed="rId5"/>
             <a:stretch>
               <a:fillRect/>
             </a:stretch>
           </p:blipFill>
           <p:spPr>
             <a:xfrm>
-              <a:off x="3165142" y="4054722"/>
-              <a:ext cx="2731269" cy="2731269"/>
+              <a:off x="5835397" y="2353725"/>
+              <a:ext cx="2686654" cy="2686654"/>
             </a:xfrm>
             <a:prstGeom prst="rect">
               <a:avLst/>

--- a/assets/img/logo.pptx
+++ b/assets/img/logo.pptx
@@ -112,7 +112,7 @@
             <a:srgbClr val="A4A3A4"/>
           </p15:clr>
         </p15:guide>
-        <p15:guide id="2" pos="3840" userDrawn="1">
+        <p15:guide id="2" pos="3864" userDrawn="1">
           <p15:clr>
             <a:srgbClr val="A4A3A4"/>
           </p15:clr>
@@ -3339,10 +3339,10 @@
       </p:grpSpPr>
       <p:grpSp>
         <p:nvGrpSpPr>
-          <p:cNvPr id="18" name="Group 17">
-            <a:extLst>
-              <a:ext uri="{FF2B5EF4-FFF2-40B4-BE49-F238E27FC236}">
-                <a16:creationId xmlns:a16="http://schemas.microsoft.com/office/drawing/2014/main" id="{E03AEE1C-71C6-6C69-5782-FF98453759C9}"/>
+          <p:cNvPr id="7" name="Group 6">
+            <a:extLst>
+              <a:ext uri="{FF2B5EF4-FFF2-40B4-BE49-F238E27FC236}">
+                <a16:creationId xmlns:a16="http://schemas.microsoft.com/office/drawing/2014/main" id="{3FBC41A8-5445-E7DD-6EF3-A1E4BDCF9B25}"/>
               </a:ext>
             </a:extLst>
           </p:cNvPr>
@@ -3351,10 +3351,10 @@
         </p:nvGrpSpPr>
         <p:grpSpPr>
           <a:xfrm>
-            <a:off x="0" y="2310242"/>
-            <a:ext cx="12321455" cy="2730137"/>
-            <a:chOff x="0" y="2310242"/>
-            <a:chExt cx="12321455" cy="2730137"/>
+            <a:off x="54018" y="3078480"/>
+            <a:ext cx="12083964" cy="2093524"/>
+            <a:chOff x="54018" y="3078480"/>
+            <a:chExt cx="12083964" cy="2093524"/>
           </a:xfrm>
         </p:grpSpPr>
         <p:pic>
@@ -3379,8 +3379,8 @@
           </p:blipFill>
           <p:spPr>
             <a:xfrm>
-              <a:off x="0" y="2310242"/>
-              <a:ext cx="2444674" cy="2689141"/>
+              <a:off x="1798577" y="3401460"/>
+              <a:ext cx="1586016" cy="1744617"/>
             </a:xfrm>
             <a:prstGeom prst="rect">
               <a:avLst/>
@@ -3409,8 +3409,8 @@
           </p:blipFill>
           <p:spPr>
             <a:xfrm>
-              <a:off x="8808776" y="3043453"/>
-              <a:ext cx="3512679" cy="1409278"/>
+              <a:off x="8606100" y="3882864"/>
+              <a:ext cx="2278899" cy="914289"/>
             </a:xfrm>
             <a:prstGeom prst="rect">
               <a:avLst/>
@@ -3439,8 +3439,8 @@
           </p:blipFill>
           <p:spPr>
             <a:xfrm>
-              <a:off x="2836300" y="2397208"/>
-              <a:ext cx="2607471" cy="2599688"/>
+              <a:off x="4064443" y="3459494"/>
+              <a:ext cx="1691633" cy="1686583"/>
             </a:xfrm>
             <a:prstGeom prst="rect">
               <a:avLst/>
@@ -3469,14 +3469,114 @@
           </p:blipFill>
           <p:spPr>
             <a:xfrm>
-              <a:off x="5835397" y="2353725"/>
-              <a:ext cx="2686654" cy="2686654"/>
+              <a:off x="6435926" y="3429000"/>
+              <a:ext cx="1743004" cy="1743004"/>
             </a:xfrm>
             <a:prstGeom prst="rect">
               <a:avLst/>
             </a:prstGeom>
           </p:spPr>
         </p:pic>
+        <p:sp>
+          <p:nvSpPr>
+            <p:cNvPr id="4" name="Rectangle 3">
+              <a:extLst>
+                <a:ext uri="{FF2B5EF4-FFF2-40B4-BE49-F238E27FC236}">
+                  <a16:creationId xmlns:a16="http://schemas.microsoft.com/office/drawing/2014/main" id="{2F703BDF-99E7-6631-D010-EE03AAEA2679}"/>
+                </a:ext>
+              </a:extLst>
+            </p:cNvPr>
+            <p:cNvSpPr/>
+            <p:nvPr/>
+          </p:nvSpPr>
+          <p:spPr>
+            <a:xfrm>
+              <a:off x="54018" y="3078480"/>
+              <a:ext cx="1586015" cy="2019083"/>
+            </a:xfrm>
+            <a:prstGeom prst="rect">
+              <a:avLst/>
+            </a:prstGeom>
+            <a:noFill/>
+            <a:ln>
+              <a:noFill/>
+            </a:ln>
+          </p:spPr>
+          <p:style>
+            <a:lnRef idx="2">
+              <a:schemeClr val="accent1">
+                <a:shade val="50000"/>
+              </a:schemeClr>
+            </a:lnRef>
+            <a:fillRef idx="1">
+              <a:schemeClr val="accent1"/>
+            </a:fillRef>
+            <a:effectRef idx="0">
+              <a:schemeClr val="accent1"/>
+            </a:effectRef>
+            <a:fontRef idx="minor">
+              <a:schemeClr val="lt1"/>
+            </a:fontRef>
+          </p:style>
+          <p:txBody>
+            <a:bodyPr rtlCol="0" anchor="ctr"/>
+            <a:lstStyle/>
+            <a:p>
+              <a:pPr algn="ctr"/>
+              <a:endParaRPr lang="en-US"/>
+            </a:p>
+          </p:txBody>
+        </p:sp>
+        <p:sp>
+          <p:nvSpPr>
+            <p:cNvPr id="9" name="Rectangle 8">
+              <a:extLst>
+                <a:ext uri="{FF2B5EF4-FFF2-40B4-BE49-F238E27FC236}">
+                  <a16:creationId xmlns:a16="http://schemas.microsoft.com/office/drawing/2014/main" id="{4D677171-EBEF-1128-16A0-D08F8B7EC5F0}"/>
+                </a:ext>
+              </a:extLst>
+            </p:cNvPr>
+            <p:cNvSpPr/>
+            <p:nvPr/>
+          </p:nvSpPr>
+          <p:spPr>
+            <a:xfrm>
+              <a:off x="10884999" y="3210560"/>
+              <a:ext cx="1252983" cy="1887003"/>
+            </a:xfrm>
+            <a:prstGeom prst="rect">
+              <a:avLst/>
+            </a:prstGeom>
+            <a:noFill/>
+            <a:ln>
+              <a:noFill/>
+            </a:ln>
+          </p:spPr>
+          <p:style>
+            <a:lnRef idx="2">
+              <a:schemeClr val="accent1">
+                <a:shade val="50000"/>
+              </a:schemeClr>
+            </a:lnRef>
+            <a:fillRef idx="1">
+              <a:schemeClr val="accent1"/>
+            </a:fillRef>
+            <a:effectRef idx="0">
+              <a:schemeClr val="accent1"/>
+            </a:effectRef>
+            <a:fontRef idx="minor">
+              <a:schemeClr val="lt1"/>
+            </a:fontRef>
+          </p:style>
+          <p:txBody>
+            <a:bodyPr rtlCol="0" anchor="ctr"/>
+            <a:lstStyle/>
+            <a:p>
+              <a:pPr algn="ctr"/>
+              <a:endParaRPr lang="en-US"/>
+            </a:p>
+          </p:txBody>
+        </p:sp>
       </p:grpSp>
     </p:spTree>
     <p:extLst>
